--- a/Capstone2_Final_Presentation.pptx
+++ b/Capstone2_Final_Presentation.pptx
@@ -4,6 +4,9 @@
   <p:sldMasterIdLst>
     <p:sldMasterId id="2147483660" r:id="rId1"/>
   </p:sldMasterIdLst>
+  <p:notesMasterIdLst>
+    <p:notesMasterId r:id="rId12"/>
+  </p:notesMasterIdLst>
   <p:sldIdLst>
     <p:sldId id="256" r:id="rId2"/>
     <p:sldId id="257" r:id="rId3"/>
@@ -114,6 +117,439 @@
     </a:lvl9pPr>
   </p:defaultTextStyle>
 </p:presentation>
+</file>
+
+<file path=ppt/notesMasters/notesMaster1.xml><?xml version="1.0" encoding="utf-8"?>
+<p:notesMaster xmlns:a="http://schemas.openxmlformats.org/drawingml/2006/main" xmlns:r="http://schemas.openxmlformats.org/officeDocument/2006/relationships" xmlns:p="http://schemas.openxmlformats.org/presentationml/2006/main">
+  <p:cSld>
+    <p:bg>
+      <p:bgRef idx="1001">
+        <a:schemeClr val="bg1"/>
+      </p:bgRef>
+    </p:bg>
+    <p:spTree>
+      <p:nvGrpSpPr>
+        <p:cNvPr id="1" name=""/>
+        <p:cNvGrpSpPr/>
+        <p:nvPr/>
+      </p:nvGrpSpPr>
+      <p:grpSpPr>
+        <a:xfrm>
+          <a:off x="0" y="0"/>
+          <a:ext cx="0" cy="0"/>
+          <a:chOff x="0" y="0"/>
+          <a:chExt cx="0" cy="0"/>
+        </a:xfrm>
+      </p:grpSpPr>
+      <p:sp>
+        <p:nvSpPr>
+          <p:cNvPr id="2" name="Header Placeholder 1"/>
+          <p:cNvSpPr>
+            <a:spLocks noGrp="1"/>
+          </p:cNvSpPr>
+          <p:nvPr>
+            <p:ph type="hdr" sz="quarter"/>
+          </p:nvPr>
+        </p:nvSpPr>
+        <p:spPr>
+          <a:xfrm>
+            <a:off x="0" y="0"/>
+            <a:ext cx="2971800" cy="458788"/>
+          </a:xfrm>
+          <a:prstGeom prst="rect">
+            <a:avLst/>
+          </a:prstGeom>
+        </p:spPr>
+        <p:txBody>
+          <a:bodyPr vert="horz" lIns="91440" tIns="45720" rIns="91440" bIns="45720" rtlCol="0"/>
+          <a:lstStyle>
+            <a:lvl1pPr algn="l">
+              <a:defRPr sz="1200"/>
+            </a:lvl1pPr>
+          </a:lstStyle>
+          <a:p>
+            <a:endParaRPr lang="en-US"/>
+          </a:p>
+        </p:txBody>
+      </p:sp>
+      <p:sp>
+        <p:nvSpPr>
+          <p:cNvPr id="3" name="Date Placeholder 2"/>
+          <p:cNvSpPr>
+            <a:spLocks noGrp="1"/>
+          </p:cNvSpPr>
+          <p:nvPr>
+            <p:ph type="dt" idx="1"/>
+          </p:nvPr>
+        </p:nvSpPr>
+        <p:spPr>
+          <a:xfrm>
+            <a:off x="3884613" y="0"/>
+            <a:ext cx="2971800" cy="458788"/>
+          </a:xfrm>
+          <a:prstGeom prst="rect">
+            <a:avLst/>
+          </a:prstGeom>
+        </p:spPr>
+        <p:txBody>
+          <a:bodyPr vert="horz" lIns="91440" tIns="45720" rIns="91440" bIns="45720" rtlCol="0"/>
+          <a:lstStyle>
+            <a:lvl1pPr algn="r">
+              <a:defRPr sz="1200"/>
+            </a:lvl1pPr>
+          </a:lstStyle>
+          <a:p>
+            <a:fld id="{F6F82602-1F16-C648-924E-E8B84F6ABC78}" type="datetimeFigureOut">
+              <a:rPr lang="en-US" smtClean="0"/>
+              <a:t>10/15/20</a:t>
+            </a:fld>
+            <a:endParaRPr lang="en-US"/>
+          </a:p>
+        </p:txBody>
+      </p:sp>
+      <p:sp>
+        <p:nvSpPr>
+          <p:cNvPr id="4" name="Slide Image Placeholder 3"/>
+          <p:cNvSpPr>
+            <a:spLocks noGrp="1" noRot="1" noChangeAspect="1"/>
+          </p:cNvSpPr>
+          <p:nvPr>
+            <p:ph type="sldImg" idx="2"/>
+          </p:nvPr>
+        </p:nvSpPr>
+        <p:spPr>
+          <a:xfrm>
+            <a:off x="685800" y="1143000"/>
+            <a:ext cx="5486400" cy="3086100"/>
+          </a:xfrm>
+          <a:prstGeom prst="rect">
+            <a:avLst/>
+          </a:prstGeom>
+          <a:noFill/>
+          <a:ln w="12700">
+            <a:solidFill>
+              <a:prstClr val="black"/>
+            </a:solidFill>
+          </a:ln>
+        </p:spPr>
+        <p:txBody>
+          <a:bodyPr vert="horz" lIns="91440" tIns="45720" rIns="91440" bIns="45720" rtlCol="0" anchor="ctr"/>
+          <a:lstStyle/>
+          <a:p>
+            <a:endParaRPr lang="en-US"/>
+          </a:p>
+        </p:txBody>
+      </p:sp>
+      <p:sp>
+        <p:nvSpPr>
+          <p:cNvPr id="5" name="Notes Placeholder 4"/>
+          <p:cNvSpPr>
+            <a:spLocks noGrp="1"/>
+          </p:cNvSpPr>
+          <p:nvPr>
+            <p:ph type="body" sz="quarter" idx="3"/>
+          </p:nvPr>
+        </p:nvSpPr>
+        <p:spPr>
+          <a:xfrm>
+            <a:off x="685800" y="4400550"/>
+            <a:ext cx="5486400" cy="3600450"/>
+          </a:xfrm>
+          <a:prstGeom prst="rect">
+            <a:avLst/>
+          </a:prstGeom>
+        </p:spPr>
+        <p:txBody>
+          <a:bodyPr vert="horz" lIns="91440" tIns="45720" rIns="91440" bIns="45720" rtlCol="0"/>
+          <a:lstStyle/>
+          <a:p>
+            <a:pPr lvl="0"/>
+            <a:r>
+              <a:rPr lang="en-US"/>
+              <a:t>Click to edit Master text styles</a:t>
+            </a:r>
+          </a:p>
+          <a:p>
+            <a:pPr lvl="1"/>
+            <a:r>
+              <a:rPr lang="en-US"/>
+              <a:t>Second level</a:t>
+            </a:r>
+          </a:p>
+          <a:p>
+            <a:pPr lvl="2"/>
+            <a:r>
+              <a:rPr lang="en-US"/>
+              <a:t>Third level</a:t>
+            </a:r>
+          </a:p>
+          <a:p>
+            <a:pPr lvl="3"/>
+            <a:r>
+              <a:rPr lang="en-US"/>
+              <a:t>Fourth level</a:t>
+            </a:r>
+          </a:p>
+          <a:p>
+            <a:pPr lvl="4"/>
+            <a:r>
+              <a:rPr lang="en-US"/>
+              <a:t>Fifth level</a:t>
+            </a:r>
+          </a:p>
+        </p:txBody>
+      </p:sp>
+      <p:sp>
+        <p:nvSpPr>
+          <p:cNvPr id="6" name="Footer Placeholder 5"/>
+          <p:cNvSpPr>
+            <a:spLocks noGrp="1"/>
+          </p:cNvSpPr>
+          <p:nvPr>
+            <p:ph type="ftr" sz="quarter" idx="4"/>
+          </p:nvPr>
+        </p:nvSpPr>
+        <p:spPr>
+          <a:xfrm>
+            <a:off x="0" y="8685213"/>
+            <a:ext cx="2971800" cy="458787"/>
+          </a:xfrm>
+          <a:prstGeom prst="rect">
+            <a:avLst/>
+          </a:prstGeom>
+        </p:spPr>
+        <p:txBody>
+          <a:bodyPr vert="horz" lIns="91440" tIns="45720" rIns="91440" bIns="45720" rtlCol="0" anchor="b"/>
+          <a:lstStyle>
+            <a:lvl1pPr algn="l">
+              <a:defRPr sz="1200"/>
+            </a:lvl1pPr>
+          </a:lstStyle>
+          <a:p>
+            <a:endParaRPr lang="en-US"/>
+          </a:p>
+        </p:txBody>
+      </p:sp>
+      <p:sp>
+        <p:nvSpPr>
+          <p:cNvPr id="7" name="Slide Number Placeholder 6"/>
+          <p:cNvSpPr>
+            <a:spLocks noGrp="1"/>
+          </p:cNvSpPr>
+          <p:nvPr>
+            <p:ph type="sldNum" sz="quarter" idx="5"/>
+          </p:nvPr>
+        </p:nvSpPr>
+        <p:spPr>
+          <a:xfrm>
+            <a:off x="3884613" y="8685213"/>
+            <a:ext cx="2971800" cy="458787"/>
+          </a:xfrm>
+          <a:prstGeom prst="rect">
+            <a:avLst/>
+          </a:prstGeom>
+        </p:spPr>
+        <p:txBody>
+          <a:bodyPr vert="horz" lIns="91440" tIns="45720" rIns="91440" bIns="45720" rtlCol="0" anchor="b"/>
+          <a:lstStyle>
+            <a:lvl1pPr algn="r">
+              <a:defRPr sz="1200"/>
+            </a:lvl1pPr>
+          </a:lstStyle>
+          <a:p>
+            <a:fld id="{2DE59C17-81A3-944D-AEA6-57493E3AB762}" type="slidenum">
+              <a:rPr lang="en-US" smtClean="0"/>
+              <a:t>‹#›</a:t>
+            </a:fld>
+            <a:endParaRPr lang="en-US"/>
+          </a:p>
+        </p:txBody>
+      </p:sp>
+    </p:spTree>
+    <p:extLst>
+      <p:ext uri="{BB962C8B-B14F-4D97-AF65-F5344CB8AC3E}">
+        <p14:creationId xmlns:p14="http://schemas.microsoft.com/office/powerpoint/2010/main" val="3345658919"/>
+      </p:ext>
+    </p:extLst>
+  </p:cSld>
+  <p:clrMap bg1="lt1" tx1="dk1" bg2="lt2" tx2="dk2" accent1="accent1" accent2="accent2" accent3="accent3" accent4="accent4" accent5="accent5" accent6="accent6" hlink="hlink" folHlink="folHlink"/>
+  <p:notesStyle>
+    <a:lvl1pPr marL="0" algn="l" defTabSz="914400" rtl="0" eaLnBrk="1" latinLnBrk="0" hangingPunct="1">
+      <a:defRPr sz="1200" kern="1200">
+        <a:solidFill>
+          <a:schemeClr val="tx1"/>
+        </a:solidFill>
+        <a:latin typeface="+mn-lt"/>
+        <a:ea typeface="+mn-ea"/>
+        <a:cs typeface="+mn-cs"/>
+      </a:defRPr>
+    </a:lvl1pPr>
+    <a:lvl2pPr marL="457200" algn="l" defTabSz="914400" rtl="0" eaLnBrk="1" latinLnBrk="0" hangingPunct="1">
+      <a:defRPr sz="1200" kern="1200">
+        <a:solidFill>
+          <a:schemeClr val="tx1"/>
+        </a:solidFill>
+        <a:latin typeface="+mn-lt"/>
+        <a:ea typeface="+mn-ea"/>
+        <a:cs typeface="+mn-cs"/>
+      </a:defRPr>
+    </a:lvl2pPr>
+    <a:lvl3pPr marL="914400" algn="l" defTabSz="914400" rtl="0" eaLnBrk="1" latinLnBrk="0" hangingPunct="1">
+      <a:defRPr sz="1200" kern="1200">
+        <a:solidFill>
+          <a:schemeClr val="tx1"/>
+        </a:solidFill>
+        <a:latin typeface="+mn-lt"/>
+        <a:ea typeface="+mn-ea"/>
+        <a:cs typeface="+mn-cs"/>
+      </a:defRPr>
+    </a:lvl3pPr>
+    <a:lvl4pPr marL="1371600" algn="l" defTabSz="914400" rtl="0" eaLnBrk="1" latinLnBrk="0" hangingPunct="1">
+      <a:defRPr sz="1200" kern="1200">
+        <a:solidFill>
+          <a:schemeClr val="tx1"/>
+        </a:solidFill>
+        <a:latin typeface="+mn-lt"/>
+        <a:ea typeface="+mn-ea"/>
+        <a:cs typeface="+mn-cs"/>
+      </a:defRPr>
+    </a:lvl4pPr>
+    <a:lvl5pPr marL="1828800" algn="l" defTabSz="914400" rtl="0" eaLnBrk="1" latinLnBrk="0" hangingPunct="1">
+      <a:defRPr sz="1200" kern="1200">
+        <a:solidFill>
+          <a:schemeClr val="tx1"/>
+        </a:solidFill>
+        <a:latin typeface="+mn-lt"/>
+        <a:ea typeface="+mn-ea"/>
+        <a:cs typeface="+mn-cs"/>
+      </a:defRPr>
+    </a:lvl5pPr>
+    <a:lvl6pPr marL="2286000" algn="l" defTabSz="914400" rtl="0" eaLnBrk="1" latinLnBrk="0" hangingPunct="1">
+      <a:defRPr sz="1200" kern="1200">
+        <a:solidFill>
+          <a:schemeClr val="tx1"/>
+        </a:solidFill>
+        <a:latin typeface="+mn-lt"/>
+        <a:ea typeface="+mn-ea"/>
+        <a:cs typeface="+mn-cs"/>
+      </a:defRPr>
+    </a:lvl6pPr>
+    <a:lvl7pPr marL="2743200" algn="l" defTabSz="914400" rtl="0" eaLnBrk="1" latinLnBrk="0" hangingPunct="1">
+      <a:defRPr sz="1200" kern="1200">
+        <a:solidFill>
+          <a:schemeClr val="tx1"/>
+        </a:solidFill>
+        <a:latin typeface="+mn-lt"/>
+        <a:ea typeface="+mn-ea"/>
+        <a:cs typeface="+mn-cs"/>
+      </a:defRPr>
+    </a:lvl7pPr>
+    <a:lvl8pPr marL="3200400" algn="l" defTabSz="914400" rtl="0" eaLnBrk="1" latinLnBrk="0" hangingPunct="1">
+      <a:defRPr sz="1200" kern="1200">
+        <a:solidFill>
+          <a:schemeClr val="tx1"/>
+        </a:solidFill>
+        <a:latin typeface="+mn-lt"/>
+        <a:ea typeface="+mn-ea"/>
+        <a:cs typeface="+mn-cs"/>
+      </a:defRPr>
+    </a:lvl8pPr>
+    <a:lvl9pPr marL="3657600" algn="l" defTabSz="914400" rtl="0" eaLnBrk="1" latinLnBrk="0" hangingPunct="1">
+      <a:defRPr sz="1200" kern="1200">
+        <a:solidFill>
+          <a:schemeClr val="tx1"/>
+        </a:solidFill>
+        <a:latin typeface="+mn-lt"/>
+        <a:ea typeface="+mn-ea"/>
+        <a:cs typeface="+mn-cs"/>
+      </a:defRPr>
+    </a:lvl9pPr>
+  </p:notesStyle>
+</p:notesMaster>
+</file>
+
+<file path=ppt/notesSlides/notesSlide1.xml><?xml version="1.0" encoding="utf-8"?>
+<p:notes xmlns:a="http://schemas.openxmlformats.org/drawingml/2006/main" xmlns:r="http://schemas.openxmlformats.org/officeDocument/2006/relationships" xmlns:p="http://schemas.openxmlformats.org/presentationml/2006/main">
+  <p:cSld>
+    <p:spTree>
+      <p:nvGrpSpPr>
+        <p:cNvPr id="1" name=""/>
+        <p:cNvGrpSpPr/>
+        <p:nvPr/>
+      </p:nvGrpSpPr>
+      <p:grpSpPr>
+        <a:xfrm>
+          <a:off x="0" y="0"/>
+          <a:ext cx="0" cy="0"/>
+          <a:chOff x="0" y="0"/>
+          <a:chExt cx="0" cy="0"/>
+        </a:xfrm>
+      </p:grpSpPr>
+      <p:sp>
+        <p:nvSpPr>
+          <p:cNvPr id="2" name="Slide Image Placeholder 1"/>
+          <p:cNvSpPr>
+            <a:spLocks noGrp="1" noRot="1" noChangeAspect="1"/>
+          </p:cNvSpPr>
+          <p:nvPr>
+            <p:ph type="sldImg"/>
+          </p:nvPr>
+        </p:nvSpPr>
+        <p:spPr/>
+      </p:sp>
+      <p:sp>
+        <p:nvSpPr>
+          <p:cNvPr id="3" name="Notes Placeholder 2"/>
+          <p:cNvSpPr>
+            <a:spLocks noGrp="1"/>
+          </p:cNvSpPr>
+          <p:nvPr>
+            <p:ph type="body" idx="1"/>
+          </p:nvPr>
+        </p:nvSpPr>
+        <p:spPr/>
+        <p:txBody>
+          <a:bodyPr/>
+          <a:lstStyle/>
+          <a:p>
+            <a:endParaRPr lang="en-US" dirty="0"/>
+          </a:p>
+        </p:txBody>
+      </p:sp>
+      <p:sp>
+        <p:nvSpPr>
+          <p:cNvPr id="4" name="Slide Number Placeholder 3"/>
+          <p:cNvSpPr>
+            <a:spLocks noGrp="1"/>
+          </p:cNvSpPr>
+          <p:nvPr>
+            <p:ph type="sldNum" sz="quarter" idx="5"/>
+          </p:nvPr>
+        </p:nvSpPr>
+        <p:spPr/>
+        <p:txBody>
+          <a:bodyPr/>
+          <a:lstStyle/>
+          <a:p>
+            <a:fld id="{2DE59C17-81A3-944D-AEA6-57493E3AB762}" type="slidenum">
+              <a:rPr lang="en-US" smtClean="0"/>
+              <a:t>2</a:t>
+            </a:fld>
+            <a:endParaRPr lang="en-US"/>
+          </a:p>
+        </p:txBody>
+      </p:sp>
+    </p:spTree>
+    <p:extLst>
+      <p:ext uri="{BB962C8B-B14F-4D97-AF65-F5344CB8AC3E}">
+        <p14:creationId xmlns:p14="http://schemas.microsoft.com/office/powerpoint/2010/main" val="1555681588"/>
+      </p:ext>
+    </p:extLst>
+  </p:cSld>
+  <p:clrMapOvr>
+    <a:masterClrMapping/>
+  </p:clrMapOvr>
+</p:notes>
 </file>
 
 <file path=ppt/slideLayouts/slideLayout1.xml><?xml version="1.0" encoding="utf-8"?>
@@ -5842,18 +6278,23 @@
           </a:xfrm>
         </p:spPr>
         <p:txBody>
-          <a:bodyPr/>
+          <a:bodyPr>
+            <a:normAutofit/>
+          </a:bodyPr>
           <a:lstStyle/>
           <a:p>
             <a:pPr algn="ctr"/>
             <a:r>
-              <a:rPr lang="en-US" sz="4800" dirty="0"/>
-              <a:t>Questions</a:t>
-            </a:r>
-            <a:r>
-              <a:rPr lang="en-US" dirty="0"/>
-              <a:t>?</a:t>
-            </a:r>
+              <a:rPr lang="en-US" sz="4800" dirty="0">
+                <a:latin typeface="Calibri" panose="020F0502020204030204" pitchFamily="34" charset="0"/>
+                <a:cs typeface="Calibri" panose="020F0502020204030204" pitchFamily="34" charset="0"/>
+              </a:rPr>
+              <a:t>Questions?</a:t>
+            </a:r>
+            <a:endParaRPr lang="en-US" dirty="0">
+              <a:latin typeface="Calibri" panose="020F0502020204030204" pitchFamily="34" charset="0"/>
+              <a:cs typeface="Calibri" panose="020F0502020204030204" pitchFamily="34" charset="0"/>
+            </a:endParaRPr>
           </a:p>
         </p:txBody>
       </p:sp>
@@ -5913,15 +6354,12 @@
                 <a:latin typeface="Calibri" panose="020F0502020204030204" pitchFamily="34" charset="0"/>
                 <a:cs typeface="Calibri" panose="020F0502020204030204" pitchFamily="34" charset="0"/>
               </a:rPr>
-              <a:t>Problem</a:t>
-            </a:r>
-            <a:r>
-              <a:rPr lang="en-US" dirty="0">
-                <a:latin typeface="Calibri" panose="020F0502020204030204" pitchFamily="34" charset="0"/>
-                <a:cs typeface="Calibri" panose="020F0502020204030204" pitchFamily="34" charset="0"/>
-              </a:rPr>
-              <a:t> Statement</a:t>
-            </a:r>
+              <a:t>Problem Statement</a:t>
+            </a:r>
+            <a:endParaRPr lang="en-US" dirty="0">
+              <a:latin typeface="Calibri" panose="020F0502020204030204" pitchFamily="34" charset="0"/>
+              <a:cs typeface="Calibri" panose="020F0502020204030204" pitchFamily="34" charset="0"/>
+            </a:endParaRPr>
           </a:p>
         </p:txBody>
       </p:sp>
@@ -6132,7 +6570,7 @@
         </p:nvSpPr>
         <p:spPr>
           <a:xfrm>
-            <a:off x="1141413" y="-163286"/>
+            <a:off x="1141413" y="283029"/>
             <a:ext cx="9905998" cy="1905000"/>
           </a:xfrm>
         </p:spPr>
@@ -6145,7 +6583,7 @@
                 <a:latin typeface="Calibri" panose="020F0502020204030204" pitchFamily="34" charset="0"/>
                 <a:cs typeface="Calibri" panose="020F0502020204030204" pitchFamily="34" charset="0"/>
               </a:rPr>
-              <a:t>EDA</a:t>
+              <a:t>Exploratory Data Analysis</a:t>
             </a:r>
             <a:endParaRPr lang="en-US" dirty="0">
               <a:latin typeface="Calibri" panose="020F0502020204030204" pitchFamily="34" charset="0"/>
@@ -6156,10 +6594,10 @@
       </p:sp>
       <p:pic>
         <p:nvPicPr>
-          <p:cNvPr id="5" name="Picture 4" descr="Chart, scatter chart&#10;&#10;Description automatically generated">
+          <p:cNvPr id="13" name="Picture 12" descr="A picture containing square&#10;&#10;Description automatically generated">
             <a:extLst>
               <a:ext uri="{FF2B5EF4-FFF2-40B4-BE49-F238E27FC236}">
-                <a16:creationId xmlns:a16="http://schemas.microsoft.com/office/drawing/2014/main" id="{7247C202-DE74-F343-8C3A-8FF2D1D45937}"/>
+                <a16:creationId xmlns:a16="http://schemas.microsoft.com/office/drawing/2014/main" id="{ACD9EA47-D587-194E-A52D-EF8F06B06B93}"/>
               </a:ext>
             </a:extLst>
           </p:cNvPr>
@@ -6176,8 +6614,8 @@
         </p:blipFill>
         <p:spPr>
           <a:xfrm>
-            <a:off x="185737" y="1339168"/>
-            <a:ext cx="6481764" cy="2160588"/>
+            <a:off x="7486430" y="1939645"/>
+            <a:ext cx="3996290" cy="2797403"/>
           </a:xfrm>
           <a:prstGeom prst="rect">
             <a:avLst/>
@@ -6186,10 +6624,10 @@
       </p:pic>
       <p:pic>
         <p:nvPicPr>
-          <p:cNvPr id="13" name="Picture 12" descr="A picture containing square&#10;&#10;Description automatically generated">
+          <p:cNvPr id="17" name="Picture 16" descr="Chart, scatter chart&#10;&#10;Description automatically generated">
             <a:extLst>
               <a:ext uri="{FF2B5EF4-FFF2-40B4-BE49-F238E27FC236}">
-                <a16:creationId xmlns:a16="http://schemas.microsoft.com/office/drawing/2014/main" id="{ACD9EA47-D587-194E-A52D-EF8F06B06B93}"/>
+                <a16:creationId xmlns:a16="http://schemas.microsoft.com/office/drawing/2014/main" id="{2B2B2599-11A0-4D40-9CAE-8808D2B6A388}"/>
               </a:ext>
             </a:extLst>
           </p:cNvPr>
@@ -6206,8 +6644,38 @@
         </p:blipFill>
         <p:spPr>
           <a:xfrm>
-            <a:off x="6838949" y="1339168"/>
-            <a:ext cx="5164137" cy="3614896"/>
+            <a:off x="677975" y="4434114"/>
+            <a:ext cx="6481764" cy="2160588"/>
+          </a:xfrm>
+          <a:prstGeom prst="rect">
+            <a:avLst/>
+          </a:prstGeom>
+        </p:spPr>
+      </p:pic>
+      <p:pic>
+        <p:nvPicPr>
+          <p:cNvPr id="19" name="Picture 18" descr="Chart, scatter chart&#10;&#10;Description automatically generated">
+            <a:extLst>
+              <a:ext uri="{FF2B5EF4-FFF2-40B4-BE49-F238E27FC236}">
+                <a16:creationId xmlns:a16="http://schemas.microsoft.com/office/drawing/2014/main" id="{E04600D6-270A-3F42-9014-F172FCAB65A9}"/>
+              </a:ext>
+            </a:extLst>
+          </p:cNvPr>
+          <p:cNvPicPr>
+            <a:picLocks noChangeAspect="1"/>
+          </p:cNvPicPr>
+          <p:nvPr/>
+        </p:nvPicPr>
+        <p:blipFill>
+          <a:blip r:embed="rId4"/>
+          <a:stretch>
+            <a:fillRect/>
+          </a:stretch>
+        </p:blipFill>
+        <p:spPr>
+          <a:xfrm>
+            <a:off x="677974" y="1939645"/>
+            <a:ext cx="6481763" cy="2160588"/>
           </a:xfrm>
           <a:prstGeom prst="rect">
             <a:avLst/>
@@ -6300,23 +6768,34 @@
           </a:xfrm>
         </p:spPr>
         <p:txBody>
-          <a:bodyPr anchor="t"/>
-          <a:lstStyle/>
-          <a:p>
-            <a:r>
-              <a:rPr lang="en-US" dirty="0"/>
+          <a:bodyPr anchor="t">
+            <a:normAutofit/>
+          </a:bodyPr>
+          <a:lstStyle/>
+          <a:p>
+            <a:r>
+              <a:rPr lang="en-US" sz="2400" dirty="0">
+                <a:latin typeface="Calibri" panose="020F0502020204030204" pitchFamily="34" charset="0"/>
+                <a:cs typeface="Calibri" panose="020F0502020204030204" pitchFamily="34" charset="0"/>
+              </a:rPr>
               <a:t>Linear Regression</a:t>
             </a:r>
           </a:p>
           <a:p>
             <a:r>
-              <a:rPr lang="en-US" dirty="0"/>
+              <a:rPr lang="en-US" sz="2400" dirty="0">
+                <a:latin typeface="Calibri" panose="020F0502020204030204" pitchFamily="34" charset="0"/>
+                <a:cs typeface="Calibri" panose="020F0502020204030204" pitchFamily="34" charset="0"/>
+              </a:rPr>
               <a:t>Random Forest Regressor</a:t>
             </a:r>
           </a:p>
           <a:p>
             <a:r>
-              <a:rPr lang="en-US" dirty="0"/>
+              <a:rPr lang="en-US" sz="2400" dirty="0">
+                <a:latin typeface="Calibri" panose="020F0502020204030204" pitchFamily="34" charset="0"/>
+                <a:cs typeface="Calibri" panose="020F0502020204030204" pitchFamily="34" charset="0"/>
+              </a:rPr>
               <a:t>Gradient Boosting Regressor</a:t>
             </a:r>
           </a:p>
@@ -6403,41 +6882,74 @@
         </p:nvSpPr>
         <p:spPr/>
         <p:txBody>
-          <a:bodyPr anchor="t"/>
-          <a:lstStyle/>
-          <a:p>
-            <a:r>
-              <a:rPr lang="en-US" dirty="0"/>
+          <a:bodyPr anchor="t">
+            <a:normAutofit/>
+          </a:bodyPr>
+          <a:lstStyle/>
+          <a:p>
+            <a:r>
+              <a:rPr lang="en-US" sz="2400" dirty="0">
+                <a:latin typeface="Calibri" panose="020F0502020204030204" pitchFamily="34" charset="0"/>
+                <a:cs typeface="Calibri" panose="020F0502020204030204" pitchFamily="34" charset="0"/>
+              </a:rPr>
               <a:t>K-Fold Cross Validation for Linear Regression</a:t>
             </a:r>
           </a:p>
           <a:p>
             <a:pPr lvl="1"/>
             <a:r>
-              <a:rPr lang="en-US" dirty="0"/>
+              <a:rPr lang="en-US" sz="2400" dirty="0">
+                <a:latin typeface="Calibri" panose="020F0502020204030204" pitchFamily="34" charset="0"/>
+                <a:cs typeface="Calibri" panose="020F0502020204030204" pitchFamily="34" charset="0"/>
+              </a:rPr>
               <a:t>Mean Cross Val R-squared: 0.475</a:t>
             </a:r>
           </a:p>
           <a:p>
             <a:pPr lvl="1"/>
             <a:r>
-              <a:rPr lang="en-US" dirty="0"/>
+              <a:rPr lang="en-US" sz="2400" dirty="0">
+                <a:latin typeface="Calibri" panose="020F0502020204030204" pitchFamily="34" charset="0"/>
+                <a:cs typeface="Calibri" panose="020F0502020204030204" pitchFamily="34" charset="0"/>
+              </a:rPr>
               <a:t>Prediction R-squared: 0.463</a:t>
             </a:r>
           </a:p>
           <a:p>
             <a:r>
-              <a:rPr lang="en-US" dirty="0" err="1"/>
+              <a:rPr lang="en-US" sz="2400" dirty="0" err="1">
+                <a:latin typeface="Calibri" panose="020F0502020204030204" pitchFamily="34" charset="0"/>
+                <a:cs typeface="Calibri" panose="020F0502020204030204" pitchFamily="34" charset="0"/>
+              </a:rPr>
               <a:t>GridSearchCV</a:t>
             </a:r>
             <a:r>
-              <a:rPr lang="en-US" dirty="0"/>
+              <a:rPr lang="en-US" sz="2400" dirty="0">
+                <a:latin typeface="Calibri" panose="020F0502020204030204" pitchFamily="34" charset="0"/>
+                <a:cs typeface="Calibri" panose="020F0502020204030204" pitchFamily="34" charset="0"/>
+              </a:rPr>
               <a:t> for Random Forest and Gradient Boosting Regressors</a:t>
             </a:r>
           </a:p>
           <a:p>
             <a:pPr lvl="1"/>
-            <a:endParaRPr lang="en-US" dirty="0"/>
+            <a:r>
+              <a:rPr lang="en-US" sz="2400" dirty="0">
+                <a:latin typeface="Calibri" panose="020F0502020204030204" pitchFamily="34" charset="0"/>
+                <a:cs typeface="Calibri" panose="020F0502020204030204" pitchFamily="34" charset="0"/>
+              </a:rPr>
+              <a:t>Random Forest improved R-squared by 0.02, MAE by 0.001</a:t>
+            </a:r>
+          </a:p>
+          <a:p>
+            <a:pPr lvl="1"/>
+            <a:r>
+              <a:rPr lang="en-US" sz="2400" dirty="0">
+                <a:latin typeface="Calibri" panose="020F0502020204030204" pitchFamily="34" charset="0"/>
+                <a:cs typeface="Calibri" panose="020F0502020204030204" pitchFamily="34" charset="0"/>
+              </a:rPr>
+              <a:t>Gradient Boosting Improved R-squared by 0.02, MAE by 0.0002</a:t>
+            </a:r>
           </a:p>
         </p:txBody>
       </p:sp>
@@ -6504,12 +7016,59 @@
           </a:p>
         </p:txBody>
       </p:sp>
+      <p:sp>
+        <p:nvSpPr>
+          <p:cNvPr id="5" name="Content Placeholder 2">
+            <a:extLst>
+              <a:ext uri="{FF2B5EF4-FFF2-40B4-BE49-F238E27FC236}">
+                <a16:creationId xmlns:a16="http://schemas.microsoft.com/office/drawing/2014/main" id="{72981AF8-38B0-3D48-A7F7-AFB7D0A5FA64}"/>
+              </a:ext>
+            </a:extLst>
+          </p:cNvPr>
+          <p:cNvSpPr>
+            <a:spLocks noGrp="1"/>
+          </p:cNvSpPr>
+          <p:nvPr>
+            <p:ph idx="1"/>
+          </p:nvPr>
+        </p:nvSpPr>
+        <p:spPr>
+          <a:xfrm>
+            <a:off x="1141413" y="2667000"/>
+            <a:ext cx="9905998" cy="1676402"/>
+          </a:xfrm>
+        </p:spPr>
+        <p:txBody>
+          <a:bodyPr anchor="t">
+            <a:normAutofit/>
+          </a:bodyPr>
+          <a:lstStyle/>
+          <a:p>
+            <a:r>
+              <a:rPr lang="en-US" sz="2400" dirty="0">
+                <a:latin typeface="Calibri" panose="020F0502020204030204" pitchFamily="34" charset="0"/>
+                <a:cs typeface="Calibri" panose="020F0502020204030204" pitchFamily="34" charset="0"/>
+              </a:rPr>
+              <a:t>Gradient Boosting Model was the best performer</a:t>
+            </a:r>
+          </a:p>
+          <a:p>
+            <a:r>
+              <a:rPr lang="en-US" sz="2400" dirty="0">
+                <a:latin typeface="Calibri" panose="020F0502020204030204" pitchFamily="34" charset="0"/>
+                <a:cs typeface="Calibri" panose="020F0502020204030204" pitchFamily="34" charset="0"/>
+              </a:rPr>
+              <a:t>Major driver of variance were breakout seasons or players in final years of career</a:t>
+            </a:r>
+          </a:p>
+        </p:txBody>
+      </p:sp>
       <p:pic>
         <p:nvPicPr>
-          <p:cNvPr id="4" name="Picture 3">
+          <p:cNvPr id="8" name="Picture 7">
             <a:extLst>
               <a:ext uri="{FF2B5EF4-FFF2-40B4-BE49-F238E27FC236}">
-                <a16:creationId xmlns:a16="http://schemas.microsoft.com/office/drawing/2014/main" id="{58A7E97E-434F-054E-B305-0D5205133DE5}"/>
+                <a16:creationId xmlns:a16="http://schemas.microsoft.com/office/drawing/2014/main" id="{FB6E8BD5-EE9F-B041-8051-89496BDA0FFD}"/>
               </a:ext>
             </a:extLst>
           </p:cNvPr>
@@ -6526,53 +7085,14 @@
         </p:blipFill>
         <p:spPr>
           <a:xfrm>
-            <a:off x="1141413" y="4495802"/>
-            <a:ext cx="9905998" cy="1460792"/>
+            <a:off x="1141412" y="4292601"/>
+            <a:ext cx="9905997" cy="1337519"/>
           </a:xfrm>
           <a:prstGeom prst="rect">
             <a:avLst/>
           </a:prstGeom>
         </p:spPr>
       </p:pic>
-      <p:sp>
-        <p:nvSpPr>
-          <p:cNvPr id="5" name="Content Placeholder 2">
-            <a:extLst>
-              <a:ext uri="{FF2B5EF4-FFF2-40B4-BE49-F238E27FC236}">
-                <a16:creationId xmlns:a16="http://schemas.microsoft.com/office/drawing/2014/main" id="{72981AF8-38B0-3D48-A7F7-AFB7D0A5FA64}"/>
-              </a:ext>
-            </a:extLst>
-          </p:cNvPr>
-          <p:cNvSpPr>
-            <a:spLocks noGrp="1"/>
-          </p:cNvSpPr>
-          <p:nvPr>
-            <p:ph idx="1"/>
-          </p:nvPr>
-        </p:nvSpPr>
-        <p:spPr>
-          <a:xfrm>
-            <a:off x="1141413" y="2667000"/>
-            <a:ext cx="9905998" cy="1676402"/>
-          </a:xfrm>
-        </p:spPr>
-        <p:txBody>
-          <a:bodyPr anchor="t"/>
-          <a:lstStyle/>
-          <a:p>
-            <a:r>
-              <a:rPr lang="en-US" dirty="0"/>
-              <a:t>Linear Regression was the best performer</a:t>
-            </a:r>
-          </a:p>
-          <a:p>
-            <a:r>
-              <a:rPr lang="en-US" dirty="0"/>
-              <a:t>Major driver of variance were breakout seasons or players in final years of career</a:t>
-            </a:r>
-          </a:p>
-        </p:txBody>
-      </p:sp>
     </p:spTree>
     <p:extLst>
       <p:ext uri="{BB962C8B-B14F-4D97-AF65-F5344CB8AC3E}">
@@ -6656,17 +7176,25 @@
         </p:nvSpPr>
         <p:spPr/>
         <p:txBody>
-          <a:bodyPr anchor="t"/>
-          <a:lstStyle/>
-          <a:p>
-            <a:r>
-              <a:rPr lang="en-US" dirty="0"/>
+          <a:bodyPr anchor="t">
+            <a:normAutofit/>
+          </a:bodyPr>
+          <a:lstStyle/>
+          <a:p>
+            <a:r>
+              <a:rPr lang="en-US" sz="2400" dirty="0">
+                <a:latin typeface="Calibri" panose="020F0502020204030204" pitchFamily="34" charset="0"/>
+                <a:cs typeface="Calibri" panose="020F0502020204030204" pitchFamily="34" charset="0"/>
+              </a:rPr>
               <a:t>Difficult Problem to Solve</a:t>
             </a:r>
           </a:p>
           <a:p>
             <a:r>
-              <a:rPr lang="en-US" dirty="0"/>
+              <a:rPr lang="en-US" sz="2400" dirty="0">
+                <a:latin typeface="Calibri" panose="020F0502020204030204" pitchFamily="34" charset="0"/>
+                <a:cs typeface="Calibri" panose="020F0502020204030204" pitchFamily="34" charset="0"/>
+              </a:rPr>
               <a:t>Impacted by Steroid Era</a:t>
             </a:r>
           </a:p>
@@ -6753,39 +7281,62 @@
         </p:nvSpPr>
         <p:spPr/>
         <p:txBody>
-          <a:bodyPr anchor="t"/>
-          <a:lstStyle/>
-          <a:p>
-            <a:r>
-              <a:rPr lang="en-US" dirty="0"/>
+          <a:bodyPr anchor="t">
+            <a:normAutofit/>
+          </a:bodyPr>
+          <a:lstStyle/>
+          <a:p>
+            <a:r>
+              <a:rPr lang="en-US" sz="2400" dirty="0">
+                <a:latin typeface="Calibri" panose="020F0502020204030204" pitchFamily="34" charset="0"/>
+                <a:cs typeface="Calibri" panose="020F0502020204030204" pitchFamily="34" charset="0"/>
+              </a:rPr>
               <a:t>Similar model with more advanced </a:t>
             </a:r>
             <a:r>
-              <a:rPr lang="en-US" dirty="0" err="1"/>
+              <a:rPr lang="en-US" sz="2400" dirty="0" err="1">
+                <a:latin typeface="Calibri" panose="020F0502020204030204" pitchFamily="34" charset="0"/>
+                <a:cs typeface="Calibri" panose="020F0502020204030204" pitchFamily="34" charset="0"/>
+              </a:rPr>
               <a:t>satatistics</a:t>
             </a:r>
             <a:r>
-              <a:rPr lang="en-US" dirty="0"/>
+              <a:rPr lang="en-US" sz="2400" dirty="0">
+                <a:latin typeface="Calibri" panose="020F0502020204030204" pitchFamily="34" charset="0"/>
+                <a:cs typeface="Calibri" panose="020F0502020204030204" pitchFamily="34" charset="0"/>
+              </a:rPr>
               <a:t> (exit velocity, launch angle, </a:t>
             </a:r>
             <a:r>
-              <a:rPr lang="en-US" dirty="0" err="1"/>
+              <a:rPr lang="en-US" sz="2400" dirty="0" err="1">
+                <a:latin typeface="Calibri" panose="020F0502020204030204" pitchFamily="34" charset="0"/>
+                <a:cs typeface="Calibri" panose="020F0502020204030204" pitchFamily="34" charset="0"/>
+              </a:rPr>
               <a:t>etc</a:t>
             </a:r>
             <a:r>
-              <a:rPr lang="en-US" dirty="0"/>
+              <a:rPr lang="en-US" sz="2400" dirty="0">
+                <a:latin typeface="Calibri" panose="020F0502020204030204" pitchFamily="34" charset="0"/>
+                <a:cs typeface="Calibri" panose="020F0502020204030204" pitchFamily="34" charset="0"/>
+              </a:rPr>
               <a:t>)</a:t>
             </a:r>
           </a:p>
           <a:p>
             <a:r>
-              <a:rPr lang="en-US" dirty="0"/>
+              <a:rPr lang="en-US" sz="2400" dirty="0">
+                <a:latin typeface="Calibri" panose="020F0502020204030204" pitchFamily="34" charset="0"/>
+                <a:cs typeface="Calibri" panose="020F0502020204030204" pitchFamily="34" charset="0"/>
+              </a:rPr>
               <a:t>Using stats from college and minor leagues to predict breakout players</a:t>
             </a:r>
           </a:p>
           <a:p>
             <a:r>
-              <a:rPr lang="en-US" dirty="0"/>
+              <a:rPr lang="en-US" sz="2400" dirty="0">
+                <a:latin typeface="Calibri" panose="020F0502020204030204" pitchFamily="34" charset="0"/>
+                <a:cs typeface="Calibri" panose="020F0502020204030204" pitchFamily="34" charset="0"/>
+              </a:rPr>
               <a:t>Predict a players Wins Above Replacement over future years (i.e. length of a potential contract)</a:t>
             </a:r>
           </a:p>
@@ -7058,4 +7609,299 @@
     </a:ext>
   </a:extLst>
 </a:theme>
+</file>
+
+<file path=ppt/theme/theme2.xml><?xml version="1.0" encoding="utf-8"?>
+<a:theme xmlns:a="http://schemas.openxmlformats.org/drawingml/2006/main" name="Office Theme">
+  <a:themeElements>
+    <a:clrScheme name="Office">
+      <a:dk1>
+        <a:sysClr val="windowText" lastClr="000000"/>
+      </a:dk1>
+      <a:lt1>
+        <a:sysClr val="window" lastClr="FFFFFF"/>
+      </a:lt1>
+      <a:dk2>
+        <a:srgbClr val="44546A"/>
+      </a:dk2>
+      <a:lt2>
+        <a:srgbClr val="E7E6E6"/>
+      </a:lt2>
+      <a:accent1>
+        <a:srgbClr val="4472C4"/>
+      </a:accent1>
+      <a:accent2>
+        <a:srgbClr val="ED7D31"/>
+      </a:accent2>
+      <a:accent3>
+        <a:srgbClr val="A5A5A5"/>
+      </a:accent3>
+      <a:accent4>
+        <a:srgbClr val="FFC000"/>
+      </a:accent4>
+      <a:accent5>
+        <a:srgbClr val="5B9BD5"/>
+      </a:accent5>
+      <a:accent6>
+        <a:srgbClr val="70AD47"/>
+      </a:accent6>
+      <a:hlink>
+        <a:srgbClr val="0563C1"/>
+      </a:hlink>
+      <a:folHlink>
+        <a:srgbClr val="954F72"/>
+      </a:folHlink>
+    </a:clrScheme>
+    <a:fontScheme name="Office">
+      <a:majorFont>
+        <a:latin typeface="Calibri Light" panose="020F0302020204030204"/>
+        <a:ea typeface=""/>
+        <a:cs typeface=""/>
+        <a:font script="Jpan" typeface="游ゴシック Light"/>
+        <a:font script="Hang" typeface="맑은 고딕"/>
+        <a:font script="Hans" typeface="等线 Light"/>
+        <a:font script="Hant" typeface="新細明體"/>
+        <a:font script="Arab" typeface="Times New Roman"/>
+        <a:font script="Hebr" typeface="Times New Roman"/>
+        <a:font script="Thai" typeface="Angsana New"/>
+        <a:font script="Ethi" typeface="Nyala"/>
+        <a:font script="Beng" typeface="Vrinda"/>
+        <a:font script="Gujr" typeface="Shruti"/>
+        <a:font script="Khmr" typeface="MoolBoran"/>
+        <a:font script="Knda" typeface="Tunga"/>
+        <a:font script="Guru" typeface="Raavi"/>
+        <a:font script="Cans" typeface="Euphemia"/>
+        <a:font script="Cher" typeface="Plantagenet Cherokee"/>
+        <a:font script="Yiii" typeface="Microsoft Yi Baiti"/>
+        <a:font script="Tibt" typeface="Microsoft Himalaya"/>
+        <a:font script="Thaa" typeface="MV Boli"/>
+        <a:font script="Deva" typeface="Mangal"/>
+        <a:font script="Telu" typeface="Gautami"/>
+        <a:font script="Taml" typeface="Latha"/>
+        <a:font script="Syrc" typeface="Estrangelo Edessa"/>
+        <a:font script="Orya" typeface="Kalinga"/>
+        <a:font script="Mlym" typeface="Kartika"/>
+        <a:font script="Laoo" typeface="DokChampa"/>
+        <a:font script="Sinh" typeface="Iskoola Pota"/>
+        <a:font script="Mong" typeface="Mongolian Baiti"/>
+        <a:font script="Viet" typeface="Times New Roman"/>
+        <a:font script="Uigh" typeface="Microsoft Uighur"/>
+        <a:font script="Geor" typeface="Sylfaen"/>
+        <a:font script="Armn" typeface="Arial"/>
+        <a:font script="Bugi" typeface="Leelawadee UI"/>
+        <a:font script="Bopo" typeface="Microsoft JhengHei"/>
+        <a:font script="Java" typeface="Javanese Text"/>
+        <a:font script="Lisu" typeface="Segoe UI"/>
+        <a:font script="Mymr" typeface="Myanmar Text"/>
+        <a:font script="Nkoo" typeface="Ebrima"/>
+        <a:font script="Olck" typeface="Nirmala UI"/>
+        <a:font script="Osma" typeface="Ebrima"/>
+        <a:font script="Phag" typeface="Phagspa"/>
+        <a:font script="Syrn" typeface="Estrangelo Edessa"/>
+        <a:font script="Syrj" typeface="Estrangelo Edessa"/>
+        <a:font script="Syre" typeface="Estrangelo Edessa"/>
+        <a:font script="Sora" typeface="Nirmala UI"/>
+        <a:font script="Tale" typeface="Microsoft Tai Le"/>
+        <a:font script="Talu" typeface="Microsoft New Tai Lue"/>
+        <a:font script="Tfng" typeface="Ebrima"/>
+      </a:majorFont>
+      <a:minorFont>
+        <a:latin typeface="Calibri" panose="020F0502020204030204"/>
+        <a:ea typeface=""/>
+        <a:cs typeface=""/>
+        <a:font script="Jpan" typeface="游ゴシック"/>
+        <a:font script="Hang" typeface="맑은 고딕"/>
+        <a:font script="Hans" typeface="等线"/>
+        <a:font script="Hant" typeface="新細明體"/>
+        <a:font script="Arab" typeface="Arial"/>
+        <a:font script="Hebr" typeface="Arial"/>
+        <a:font script="Thai" typeface="Cordia New"/>
+        <a:font script="Ethi" typeface="Nyala"/>
+        <a:font script="Beng" typeface="Vrinda"/>
+        <a:font script="Gujr" typeface="Shruti"/>
+        <a:font script="Khmr" typeface="DaunPenh"/>
+        <a:font script="Knda" typeface="Tunga"/>
+        <a:font script="Guru" typeface="Raavi"/>
+        <a:font script="Cans" typeface="Euphemia"/>
+        <a:font script="Cher" typeface="Plantagenet Cherokee"/>
+        <a:font script="Yiii" typeface="Microsoft Yi Baiti"/>
+        <a:font script="Tibt" typeface="Microsoft Himalaya"/>
+        <a:font script="Thaa" typeface="MV Boli"/>
+        <a:font script="Deva" typeface="Mangal"/>
+        <a:font script="Telu" typeface="Gautami"/>
+        <a:font script="Taml" typeface="Latha"/>
+        <a:font script="Syrc" typeface="Estrangelo Edessa"/>
+        <a:font script="Orya" typeface="Kalinga"/>
+        <a:font script="Mlym" typeface="Kartika"/>
+        <a:font script="Laoo" typeface="DokChampa"/>
+        <a:font script="Sinh" typeface="Iskoola Pota"/>
+        <a:font script="Mong" typeface="Mongolian Baiti"/>
+        <a:font script="Viet" typeface="Arial"/>
+        <a:font script="Uigh" typeface="Microsoft Uighur"/>
+        <a:font script="Geor" typeface="Sylfaen"/>
+        <a:font script="Armn" typeface="Arial"/>
+        <a:font script="Bugi" typeface="Leelawadee UI"/>
+        <a:font script="Bopo" typeface="Microsoft JhengHei"/>
+        <a:font script="Java" typeface="Javanese Text"/>
+        <a:font script="Lisu" typeface="Segoe UI"/>
+        <a:font script="Mymr" typeface="Myanmar Text"/>
+        <a:font script="Nkoo" typeface="Ebrima"/>
+        <a:font script="Olck" typeface="Nirmala UI"/>
+        <a:font script="Osma" typeface="Ebrima"/>
+        <a:font script="Phag" typeface="Phagspa"/>
+        <a:font script="Syrn" typeface="Estrangelo Edessa"/>
+        <a:font script="Syrj" typeface="Estrangelo Edessa"/>
+        <a:font script="Syre" typeface="Estrangelo Edessa"/>
+        <a:font script="Sora" typeface="Nirmala UI"/>
+        <a:font script="Tale" typeface="Microsoft Tai Le"/>
+        <a:font script="Talu" typeface="Microsoft New Tai Lue"/>
+        <a:font script="Tfng" typeface="Ebrima"/>
+      </a:minorFont>
+    </a:fontScheme>
+    <a:fmtScheme name="Office">
+      <a:fillStyleLst>
+        <a:solidFill>
+          <a:schemeClr val="phClr"/>
+        </a:solidFill>
+        <a:gradFill rotWithShape="1">
+          <a:gsLst>
+            <a:gs pos="0">
+              <a:schemeClr val="phClr">
+                <a:lumMod val="110000"/>
+                <a:satMod val="105000"/>
+                <a:tint val="67000"/>
+              </a:schemeClr>
+            </a:gs>
+            <a:gs pos="50000">
+              <a:schemeClr val="phClr">
+                <a:lumMod val="105000"/>
+                <a:satMod val="103000"/>
+                <a:tint val="73000"/>
+              </a:schemeClr>
+            </a:gs>
+            <a:gs pos="100000">
+              <a:schemeClr val="phClr">
+                <a:lumMod val="105000"/>
+                <a:satMod val="109000"/>
+                <a:tint val="81000"/>
+              </a:schemeClr>
+            </a:gs>
+          </a:gsLst>
+          <a:lin ang="5400000" scaled="0"/>
+        </a:gradFill>
+        <a:gradFill rotWithShape="1">
+          <a:gsLst>
+            <a:gs pos="0">
+              <a:schemeClr val="phClr">
+                <a:satMod val="103000"/>
+                <a:lumMod val="102000"/>
+                <a:tint val="94000"/>
+              </a:schemeClr>
+            </a:gs>
+            <a:gs pos="50000">
+              <a:schemeClr val="phClr">
+                <a:satMod val="110000"/>
+                <a:lumMod val="100000"/>
+                <a:shade val="100000"/>
+              </a:schemeClr>
+            </a:gs>
+            <a:gs pos="100000">
+              <a:schemeClr val="phClr">
+                <a:lumMod val="99000"/>
+                <a:satMod val="120000"/>
+                <a:shade val="78000"/>
+              </a:schemeClr>
+            </a:gs>
+          </a:gsLst>
+          <a:lin ang="5400000" scaled="0"/>
+        </a:gradFill>
+      </a:fillStyleLst>
+      <a:lnStyleLst>
+        <a:ln w="6350" cap="flat" cmpd="sng" algn="ctr">
+          <a:solidFill>
+            <a:schemeClr val="phClr"/>
+          </a:solidFill>
+          <a:prstDash val="solid"/>
+          <a:miter lim="800000"/>
+        </a:ln>
+        <a:ln w="12700" cap="flat" cmpd="sng" algn="ctr">
+          <a:solidFill>
+            <a:schemeClr val="phClr"/>
+          </a:solidFill>
+          <a:prstDash val="solid"/>
+          <a:miter lim="800000"/>
+        </a:ln>
+        <a:ln w="19050" cap="flat" cmpd="sng" algn="ctr">
+          <a:solidFill>
+            <a:schemeClr val="phClr"/>
+          </a:solidFill>
+          <a:prstDash val="solid"/>
+          <a:miter lim="800000"/>
+        </a:ln>
+      </a:lnStyleLst>
+      <a:effectStyleLst>
+        <a:effectStyle>
+          <a:effectLst/>
+        </a:effectStyle>
+        <a:effectStyle>
+          <a:effectLst/>
+        </a:effectStyle>
+        <a:effectStyle>
+          <a:effectLst>
+            <a:outerShdw blurRad="57150" dist="19050" dir="5400000" algn="ctr" rotWithShape="0">
+              <a:srgbClr val="000000">
+                <a:alpha val="63000"/>
+              </a:srgbClr>
+            </a:outerShdw>
+          </a:effectLst>
+        </a:effectStyle>
+      </a:effectStyleLst>
+      <a:bgFillStyleLst>
+        <a:solidFill>
+          <a:schemeClr val="phClr"/>
+        </a:solidFill>
+        <a:solidFill>
+          <a:schemeClr val="phClr">
+            <a:tint val="95000"/>
+            <a:satMod val="170000"/>
+          </a:schemeClr>
+        </a:solidFill>
+        <a:gradFill rotWithShape="1">
+          <a:gsLst>
+            <a:gs pos="0">
+              <a:schemeClr val="phClr">
+                <a:tint val="93000"/>
+                <a:satMod val="150000"/>
+                <a:shade val="98000"/>
+                <a:lumMod val="102000"/>
+              </a:schemeClr>
+            </a:gs>
+            <a:gs pos="50000">
+              <a:schemeClr val="phClr">
+                <a:tint val="98000"/>
+                <a:satMod val="130000"/>
+                <a:shade val="90000"/>
+                <a:lumMod val="103000"/>
+              </a:schemeClr>
+            </a:gs>
+            <a:gs pos="100000">
+              <a:schemeClr val="phClr">
+                <a:shade val="63000"/>
+                <a:satMod val="120000"/>
+              </a:schemeClr>
+            </a:gs>
+          </a:gsLst>
+          <a:lin ang="5400000" scaled="0"/>
+        </a:gradFill>
+      </a:bgFillStyleLst>
+    </a:fmtScheme>
+  </a:themeElements>
+  <a:objectDefaults/>
+  <a:extraClrSchemeLst/>
+  <a:extLst>
+    <a:ext uri="{05A4C25C-085E-4340-85A3-A5531E510DB2}">
+      <thm15:themeFamily xmlns:thm15="http://schemas.microsoft.com/office/thememl/2012/main" name="Office Theme" id="{62F939B6-93AF-4DB8-9C6B-D6C7DFDC589F}" vid="{4A3C46E8-61CC-4603-A589-7422A47A8E4A}"/>
+    </a:ext>
+  </a:extLst>
+</a:theme>
 </file>
--- a/Capstone2_Final_Presentation.pptx
+++ b/Capstone2_Final_Presentation.pptx
@@ -6520,6 +6520,23 @@
               <a:t>Feature Engineering</a:t>
             </a:r>
           </a:p>
+          <a:p>
+            <a:pPr lvl="1"/>
+            <a:r>
+              <a:rPr lang="en-US" sz="2200" dirty="0" err="1">
+                <a:latin typeface="Calibri" panose="020F0502020204030204" pitchFamily="34" charset="0"/>
+                <a:cs typeface="Calibri" panose="020F0502020204030204" pitchFamily="34" charset="0"/>
+              </a:rPr>
+              <a:t>Sustainabile</a:t>
+            </a:r>
+            <a:r>
+              <a:rPr lang="en-US" sz="2200" dirty="0">
+                <a:latin typeface="Calibri" panose="020F0502020204030204" pitchFamily="34" charset="0"/>
+                <a:cs typeface="Calibri" panose="020F0502020204030204" pitchFamily="34" charset="0"/>
+              </a:rPr>
+              <a:t> vs Unsustainable</a:t>
+            </a:r>
+          </a:p>
         </p:txBody>
       </p:sp>
     </p:spTree>

--- a/Capstone2_Final_Presentation.pptx
+++ b/Capstone2_Final_Presentation.pptx
@@ -116,6 +116,11 @@
       </a:defRPr>
     </a:lvl9pPr>
   </p:defaultTextStyle>
+  <p:extLst>
+    <p:ext uri="{EFAFB233-063F-42B5-8137-9DF3F51BA10A}">
+      <p15:sldGuideLst xmlns:p15="http://schemas.microsoft.com/office/powerpoint/2012/main"/>
+    </p:ext>
+  </p:extLst>
 </p:presentation>
 </file>
 
@@ -201,7 +206,7 @@
           <a:p>
             <a:fld id="{F6F82602-1F16-C648-924E-E8B84F6ABC78}" type="datetimeFigureOut">
               <a:rPr lang="en-US" smtClean="0"/>
-              <a:t>10/15/20</a:t>
+              <a:t>10/18/20</a:t>
             </a:fld>
             <a:endParaRPr lang="en-US"/>
           </a:p>
@@ -765,7 +770,7 @@
           <a:p>
             <a:fld id="{7EA32AED-B185-5C4B-A96E-16B0A87C3CCF}" type="datetimeFigureOut">
               <a:rPr lang="en-US" smtClean="0"/>
-              <a:t>10/11/20</a:t>
+              <a:t>10/18/20</a:t>
             </a:fld>
             <a:endParaRPr lang="en-US"/>
           </a:p>
@@ -1056,7 +1061,7 @@
           <a:p>
             <a:fld id="{7EA32AED-B185-5C4B-A96E-16B0A87C3CCF}" type="datetimeFigureOut">
               <a:rPr lang="en-US" smtClean="0"/>
-              <a:t>10/11/20</a:t>
+              <a:t>10/18/20</a:t>
             </a:fld>
             <a:endParaRPr lang="en-US"/>
           </a:p>
@@ -1315,7 +1320,7 @@
           <a:p>
             <a:fld id="{7EA32AED-B185-5C4B-A96E-16B0A87C3CCF}" type="datetimeFigureOut">
               <a:rPr lang="en-US" smtClean="0"/>
-              <a:t>10/11/20</a:t>
+              <a:t>10/18/20</a:t>
             </a:fld>
             <a:endParaRPr lang="en-US"/>
           </a:p>
@@ -1784,7 +1789,7 @@
           <a:p>
             <a:fld id="{7EA32AED-B185-5C4B-A96E-16B0A87C3CCF}" type="datetimeFigureOut">
               <a:rPr lang="en-US" smtClean="0"/>
-              <a:t>10/11/20</a:t>
+              <a:t>10/18/20</a:t>
             </a:fld>
             <a:endParaRPr lang="en-US"/>
           </a:p>
@@ -1964,7 +1969,7 @@
           <a:p>
             <a:fld id="{7EA32AED-B185-5C4B-A96E-16B0A87C3CCF}" type="datetimeFigureOut">
               <a:rPr lang="en-US" smtClean="0"/>
-              <a:t>10/11/20</a:t>
+              <a:t>10/18/20</a:t>
             </a:fld>
             <a:endParaRPr lang="en-US"/>
           </a:p>
@@ -2540,7 +2545,7 @@
           <a:p>
             <a:fld id="{7EA32AED-B185-5C4B-A96E-16B0A87C3CCF}" type="datetimeFigureOut">
               <a:rPr lang="en-US" smtClean="0"/>
-              <a:t>10/11/20</a:t>
+              <a:t>10/18/20</a:t>
             </a:fld>
             <a:endParaRPr lang="en-US"/>
           </a:p>
@@ -2872,7 +2877,7 @@
           <a:p>
             <a:fld id="{7EA32AED-B185-5C4B-A96E-16B0A87C3CCF}" type="datetimeFigureOut">
               <a:rPr lang="en-US" smtClean="0"/>
-              <a:t>10/11/20</a:t>
+              <a:t>10/18/20</a:t>
             </a:fld>
             <a:endParaRPr lang="en-US"/>
           </a:p>
@@ -3047,7 +3052,7 @@
           <a:p>
             <a:fld id="{7EA32AED-B185-5C4B-A96E-16B0A87C3CCF}" type="datetimeFigureOut">
               <a:rPr lang="en-US" smtClean="0"/>
-              <a:t>10/11/20</a:t>
+              <a:t>10/18/20</a:t>
             </a:fld>
             <a:endParaRPr lang="en-US"/>
           </a:p>
@@ -3227,7 +3232,7 @@
           <a:p>
             <a:fld id="{7EA32AED-B185-5C4B-A96E-16B0A87C3CCF}" type="datetimeFigureOut">
               <a:rPr lang="en-US" smtClean="0"/>
-              <a:t>10/11/20</a:t>
+              <a:t>10/18/20</a:t>
             </a:fld>
             <a:endParaRPr lang="en-US"/>
           </a:p>
@@ -3397,7 +3402,7 @@
           <a:p>
             <a:fld id="{7EA32AED-B185-5C4B-A96E-16B0A87C3CCF}" type="datetimeFigureOut">
               <a:rPr lang="en-US" smtClean="0"/>
-              <a:t>10/11/20</a:t>
+              <a:t>10/18/20</a:t>
             </a:fld>
             <a:endParaRPr lang="en-US"/>
           </a:p>
@@ -3654,7 +3659,7 @@
           <a:p>
             <a:fld id="{7EA32AED-B185-5C4B-A96E-16B0A87C3CCF}" type="datetimeFigureOut">
               <a:rPr lang="en-US" smtClean="0"/>
-              <a:t>10/11/20</a:t>
+              <a:t>10/18/20</a:t>
             </a:fld>
             <a:endParaRPr lang="en-US"/>
           </a:p>
@@ -3946,7 +3951,7 @@
           <a:p>
             <a:fld id="{7EA32AED-B185-5C4B-A96E-16B0A87C3CCF}" type="datetimeFigureOut">
               <a:rPr lang="en-US" smtClean="0"/>
-              <a:t>10/11/20</a:t>
+              <a:t>10/18/20</a:t>
             </a:fld>
             <a:endParaRPr lang="en-US"/>
           </a:p>
@@ -4376,7 +4381,7 @@
           <a:p>
             <a:fld id="{7EA32AED-B185-5C4B-A96E-16B0A87C3CCF}" type="datetimeFigureOut">
               <a:rPr lang="en-US" smtClean="0"/>
-              <a:t>10/11/20</a:t>
+              <a:t>10/18/20</a:t>
             </a:fld>
             <a:endParaRPr lang="en-US"/>
           </a:p>
@@ -4494,7 +4499,7 @@
           <a:p>
             <a:fld id="{7EA32AED-B185-5C4B-A96E-16B0A87C3CCF}" type="datetimeFigureOut">
               <a:rPr lang="en-US" smtClean="0"/>
-              <a:t>10/11/20</a:t>
+              <a:t>10/18/20</a:t>
             </a:fld>
             <a:endParaRPr lang="en-US"/>
           </a:p>
@@ -4589,7 +4594,7 @@
           <a:p>
             <a:fld id="{7EA32AED-B185-5C4B-A96E-16B0A87C3CCF}" type="datetimeFigureOut">
               <a:rPr lang="en-US" smtClean="0"/>
-              <a:t>10/11/20</a:t>
+              <a:t>10/18/20</a:t>
             </a:fld>
             <a:endParaRPr lang="en-US"/>
           </a:p>
@@ -4872,7 +4877,7 @@
           <a:p>
             <a:fld id="{7EA32AED-B185-5C4B-A96E-16B0A87C3CCF}" type="datetimeFigureOut">
               <a:rPr lang="en-US" smtClean="0"/>
-              <a:t>10/11/20</a:t>
+              <a:t>10/18/20</a:t>
             </a:fld>
             <a:endParaRPr lang="en-US"/>
           </a:p>
@@ -5163,7 +5168,7 @@
           <a:p>
             <a:fld id="{7EA32AED-B185-5C4B-A96E-16B0A87C3CCF}" type="datetimeFigureOut">
               <a:rPr lang="en-US" smtClean="0"/>
-              <a:t>10/11/20</a:t>
+              <a:t>10/18/20</a:t>
             </a:fld>
             <a:endParaRPr lang="en-US"/>
           </a:p>
@@ -5394,7 +5399,7 @@
           <a:p>
             <a:fld id="{7EA32AED-B185-5C4B-A96E-16B0A87C3CCF}" type="datetimeFigureOut">
               <a:rPr lang="en-US" smtClean="0"/>
-              <a:t>10/11/20</a:t>
+              <a:t>10/18/20</a:t>
             </a:fld>
             <a:endParaRPr lang="en-US"/>
           </a:p>
@@ -7016,7 +7021,12 @@
             <p:ph type="title"/>
           </p:nvPr>
         </p:nvSpPr>
-        <p:spPr/>
+        <p:spPr>
+          <a:xfrm>
+            <a:off x="1141413" y="217714"/>
+            <a:ext cx="9905998" cy="1905000"/>
+          </a:xfrm>
+        </p:spPr>
         <p:txBody>
           <a:bodyPr>
             <a:normAutofit/>
@@ -7051,7 +7061,7 @@
         </p:nvSpPr>
         <p:spPr>
           <a:xfrm>
-            <a:off x="1141413" y="2667000"/>
+            <a:off x="1141412" y="1861457"/>
             <a:ext cx="9905998" cy="1676402"/>
           </a:xfrm>
         </p:spPr>
@@ -7082,10 +7092,10 @@
       </p:sp>
       <p:pic>
         <p:nvPicPr>
-          <p:cNvPr id="8" name="Picture 7">
+          <p:cNvPr id="11" name="Picture 10" descr="Chart, scatter chart&#10;&#10;Description automatically generated">
             <a:extLst>
               <a:ext uri="{FF2B5EF4-FFF2-40B4-BE49-F238E27FC236}">
-                <a16:creationId xmlns:a16="http://schemas.microsoft.com/office/drawing/2014/main" id="{FB6E8BD5-EE9F-B041-8051-89496BDA0FFD}"/>
+                <a16:creationId xmlns:a16="http://schemas.microsoft.com/office/drawing/2014/main" id="{145C7900-8CC7-B04B-8EF9-B0388C128958}"/>
               </a:ext>
             </a:extLst>
           </p:cNvPr>
@@ -7102,8 +7112,38 @@
         </p:blipFill>
         <p:spPr>
           <a:xfrm>
-            <a:off x="1141412" y="4292601"/>
-            <a:ext cx="9905997" cy="1337519"/>
+            <a:off x="5954485" y="3483429"/>
+            <a:ext cx="4587551" cy="3211285"/>
+          </a:xfrm>
+          <a:prstGeom prst="rect">
+            <a:avLst/>
+          </a:prstGeom>
+        </p:spPr>
+      </p:pic>
+      <p:pic>
+        <p:nvPicPr>
+          <p:cNvPr id="12" name="Picture 11">
+            <a:extLst>
+              <a:ext uri="{FF2B5EF4-FFF2-40B4-BE49-F238E27FC236}">
+                <a16:creationId xmlns:a16="http://schemas.microsoft.com/office/drawing/2014/main" id="{8F18CA68-A06A-7C4E-A6AA-B30DED626F30}"/>
+              </a:ext>
+            </a:extLst>
+          </p:cNvPr>
+          <p:cNvPicPr>
+            <a:picLocks noChangeAspect="1"/>
+          </p:cNvPicPr>
+          <p:nvPr/>
+        </p:nvPicPr>
+        <p:blipFill>
+          <a:blip r:embed="rId3"/>
+          <a:stretch>
+            <a:fillRect/>
+          </a:stretch>
+        </p:blipFill>
+        <p:spPr>
+          <a:xfrm>
+            <a:off x="1141411" y="3483428"/>
+            <a:ext cx="4704218" cy="775953"/>
           </a:xfrm>
           <a:prstGeom prst="rect">
             <a:avLst/>
@@ -7212,8 +7252,24 @@
                 <a:latin typeface="Calibri" panose="020F0502020204030204" pitchFamily="34" charset="0"/>
                 <a:cs typeface="Calibri" panose="020F0502020204030204" pitchFamily="34" charset="0"/>
               </a:rPr>
-              <a:t>Impacted by Steroid Era</a:t>
-            </a:r>
+              <a:t>Impacted by </a:t>
+            </a:r>
+            <a:r>
+              <a:rPr lang="en-US" sz="2400">
+                <a:latin typeface="Calibri" panose="020F0502020204030204" pitchFamily="34" charset="0"/>
+                <a:cs typeface="Calibri" panose="020F0502020204030204" pitchFamily="34" charset="0"/>
+              </a:rPr>
+              <a:t>Steroid Era</a:t>
+            </a:r>
+          </a:p>
+          <a:p>
+            <a:pPr marL="0" indent="0">
+              <a:buNone/>
+            </a:pPr>
+            <a:endParaRPr lang="en-US" sz="2400" dirty="0">
+              <a:latin typeface="Calibri" panose="020F0502020204030204" pitchFamily="34" charset="0"/>
+              <a:cs typeface="Calibri" panose="020F0502020204030204" pitchFamily="34" charset="0"/>
+            </a:endParaRPr>
           </a:p>
         </p:txBody>
       </p:sp>

--- a/Capstone2_Final_Presentation.pptx
+++ b/Capstone2_Final_Presentation.pptx
@@ -206,7 +206,7 @@
           <a:p>
             <a:fld id="{F6F82602-1F16-C648-924E-E8B84F6ABC78}" type="datetimeFigureOut">
               <a:rPr lang="en-US" smtClean="0"/>
-              <a:t>10/18/20</a:t>
+              <a:t>10/20/20</a:t>
             </a:fld>
             <a:endParaRPr lang="en-US"/>
           </a:p>
@@ -770,7 +770,7 @@
           <a:p>
             <a:fld id="{7EA32AED-B185-5C4B-A96E-16B0A87C3CCF}" type="datetimeFigureOut">
               <a:rPr lang="en-US" smtClean="0"/>
-              <a:t>10/18/20</a:t>
+              <a:t>10/20/20</a:t>
             </a:fld>
             <a:endParaRPr lang="en-US"/>
           </a:p>
@@ -1061,7 +1061,7 @@
           <a:p>
             <a:fld id="{7EA32AED-B185-5C4B-A96E-16B0A87C3CCF}" type="datetimeFigureOut">
               <a:rPr lang="en-US" smtClean="0"/>
-              <a:t>10/18/20</a:t>
+              <a:t>10/20/20</a:t>
             </a:fld>
             <a:endParaRPr lang="en-US"/>
           </a:p>
@@ -1320,7 +1320,7 @@
           <a:p>
             <a:fld id="{7EA32AED-B185-5C4B-A96E-16B0A87C3CCF}" type="datetimeFigureOut">
               <a:rPr lang="en-US" smtClean="0"/>
-              <a:t>10/18/20</a:t>
+              <a:t>10/20/20</a:t>
             </a:fld>
             <a:endParaRPr lang="en-US"/>
           </a:p>
@@ -1789,7 +1789,7 @@
           <a:p>
             <a:fld id="{7EA32AED-B185-5C4B-A96E-16B0A87C3CCF}" type="datetimeFigureOut">
               <a:rPr lang="en-US" smtClean="0"/>
-              <a:t>10/18/20</a:t>
+              <a:t>10/20/20</a:t>
             </a:fld>
             <a:endParaRPr lang="en-US"/>
           </a:p>
@@ -1969,7 +1969,7 @@
           <a:p>
             <a:fld id="{7EA32AED-B185-5C4B-A96E-16B0A87C3CCF}" type="datetimeFigureOut">
               <a:rPr lang="en-US" smtClean="0"/>
-              <a:t>10/18/20</a:t>
+              <a:t>10/20/20</a:t>
             </a:fld>
             <a:endParaRPr lang="en-US"/>
           </a:p>
@@ -2545,7 +2545,7 @@
           <a:p>
             <a:fld id="{7EA32AED-B185-5C4B-A96E-16B0A87C3CCF}" type="datetimeFigureOut">
               <a:rPr lang="en-US" smtClean="0"/>
-              <a:t>10/18/20</a:t>
+              <a:t>10/20/20</a:t>
             </a:fld>
             <a:endParaRPr lang="en-US"/>
           </a:p>
@@ -2877,7 +2877,7 @@
           <a:p>
             <a:fld id="{7EA32AED-B185-5C4B-A96E-16B0A87C3CCF}" type="datetimeFigureOut">
               <a:rPr lang="en-US" smtClean="0"/>
-              <a:t>10/18/20</a:t>
+              <a:t>10/20/20</a:t>
             </a:fld>
             <a:endParaRPr lang="en-US"/>
           </a:p>
@@ -3052,7 +3052,7 @@
           <a:p>
             <a:fld id="{7EA32AED-B185-5C4B-A96E-16B0A87C3CCF}" type="datetimeFigureOut">
               <a:rPr lang="en-US" smtClean="0"/>
-              <a:t>10/18/20</a:t>
+              <a:t>10/20/20</a:t>
             </a:fld>
             <a:endParaRPr lang="en-US"/>
           </a:p>
@@ -3232,7 +3232,7 @@
           <a:p>
             <a:fld id="{7EA32AED-B185-5C4B-A96E-16B0A87C3CCF}" type="datetimeFigureOut">
               <a:rPr lang="en-US" smtClean="0"/>
-              <a:t>10/18/20</a:t>
+              <a:t>10/20/20</a:t>
             </a:fld>
             <a:endParaRPr lang="en-US"/>
           </a:p>
@@ -3402,7 +3402,7 @@
           <a:p>
             <a:fld id="{7EA32AED-B185-5C4B-A96E-16B0A87C3CCF}" type="datetimeFigureOut">
               <a:rPr lang="en-US" smtClean="0"/>
-              <a:t>10/18/20</a:t>
+              <a:t>10/20/20</a:t>
             </a:fld>
             <a:endParaRPr lang="en-US"/>
           </a:p>
@@ -3659,7 +3659,7 @@
           <a:p>
             <a:fld id="{7EA32AED-B185-5C4B-A96E-16B0A87C3CCF}" type="datetimeFigureOut">
               <a:rPr lang="en-US" smtClean="0"/>
-              <a:t>10/18/20</a:t>
+              <a:t>10/20/20</a:t>
             </a:fld>
             <a:endParaRPr lang="en-US"/>
           </a:p>
@@ -3951,7 +3951,7 @@
           <a:p>
             <a:fld id="{7EA32AED-B185-5C4B-A96E-16B0A87C3CCF}" type="datetimeFigureOut">
               <a:rPr lang="en-US" smtClean="0"/>
-              <a:t>10/18/20</a:t>
+              <a:t>10/20/20</a:t>
             </a:fld>
             <a:endParaRPr lang="en-US"/>
           </a:p>
@@ -4381,7 +4381,7 @@
           <a:p>
             <a:fld id="{7EA32AED-B185-5C4B-A96E-16B0A87C3CCF}" type="datetimeFigureOut">
               <a:rPr lang="en-US" smtClean="0"/>
-              <a:t>10/18/20</a:t>
+              <a:t>10/20/20</a:t>
             </a:fld>
             <a:endParaRPr lang="en-US"/>
           </a:p>
@@ -4499,7 +4499,7 @@
           <a:p>
             <a:fld id="{7EA32AED-B185-5C4B-A96E-16B0A87C3CCF}" type="datetimeFigureOut">
               <a:rPr lang="en-US" smtClean="0"/>
-              <a:t>10/18/20</a:t>
+              <a:t>10/20/20</a:t>
             </a:fld>
             <a:endParaRPr lang="en-US"/>
           </a:p>
@@ -4594,7 +4594,7 @@
           <a:p>
             <a:fld id="{7EA32AED-B185-5C4B-A96E-16B0A87C3CCF}" type="datetimeFigureOut">
               <a:rPr lang="en-US" smtClean="0"/>
-              <a:t>10/18/20</a:t>
+              <a:t>10/20/20</a:t>
             </a:fld>
             <a:endParaRPr lang="en-US"/>
           </a:p>
@@ -4877,7 +4877,7 @@
           <a:p>
             <a:fld id="{7EA32AED-B185-5C4B-A96E-16B0A87C3CCF}" type="datetimeFigureOut">
               <a:rPr lang="en-US" smtClean="0"/>
-              <a:t>10/18/20</a:t>
+              <a:t>10/20/20</a:t>
             </a:fld>
             <a:endParaRPr lang="en-US"/>
           </a:p>
@@ -5168,7 +5168,7 @@
           <a:p>
             <a:fld id="{7EA32AED-B185-5C4B-A96E-16B0A87C3CCF}" type="datetimeFigureOut">
               <a:rPr lang="en-US" smtClean="0"/>
-              <a:t>10/18/20</a:t>
+              <a:t>10/20/20</a:t>
             </a:fld>
             <a:endParaRPr lang="en-US"/>
           </a:p>
@@ -5399,7 +5399,7 @@
           <a:p>
             <a:fld id="{7EA32AED-B185-5C4B-A96E-16B0A87C3CCF}" type="datetimeFigureOut">
               <a:rPr lang="en-US" smtClean="0"/>
-              <a:t>10/18/20</a:t>
+              <a:t>10/20/20</a:t>
             </a:fld>
             <a:endParaRPr lang="en-US"/>
           </a:p>
@@ -6359,7 +6359,7 @@
                 <a:latin typeface="Calibri" panose="020F0502020204030204" pitchFamily="34" charset="0"/>
                 <a:cs typeface="Calibri" panose="020F0502020204030204" pitchFamily="34" charset="0"/>
               </a:rPr>
-              <a:t>Problem Statement</a:t>
+              <a:t>Executive Summary</a:t>
             </a:r>
             <a:endParaRPr lang="en-US" dirty="0">
               <a:latin typeface="Calibri" panose="020F0502020204030204" pitchFamily="34" charset="0"/>
@@ -6391,15 +6391,37 @@
           </a:bodyPr>
           <a:lstStyle/>
           <a:p>
-            <a:pPr marL="0" indent="0" fontAlgn="t">
-              <a:buNone/>
-            </a:pPr>
+            <a:pPr fontAlgn="t"/>
             <a:r>
               <a:rPr lang="en-US" sz="2400" dirty="0">
                 <a:latin typeface="Calibri" panose="020F0502020204030204" pitchFamily="34" charset="0"/>
                 <a:cs typeface="Calibri" panose="020F0502020204030204" pitchFamily="34" charset="0"/>
               </a:rPr>
               <a:t>MLB Player evaluators are always looking for ways to better Predict offensive value for the future. A predictive model could save a team millions by recommending one player over another.</a:t>
+            </a:r>
+          </a:p>
+          <a:p>
+            <a:pPr fontAlgn="t"/>
+            <a:r>
+              <a:rPr lang="en-US" sz="2400" dirty="0">
+                <a:latin typeface="Calibri" panose="020F0502020204030204" pitchFamily="34" charset="0"/>
+                <a:cs typeface="Calibri" panose="020F0502020204030204" pitchFamily="34" charset="0"/>
+              </a:rPr>
+              <a:t>Final model achieved </a:t>
+            </a:r>
+            <a:r>
+              <a:rPr lang="en-US" sz="2400" b="1" dirty="0">
+                <a:latin typeface="Calibri" panose="020F0502020204030204" pitchFamily="34" charset="0"/>
+                <a:cs typeface="Calibri" panose="020F0502020204030204" pitchFamily="34" charset="0"/>
+              </a:rPr>
+              <a:t>17.4%</a:t>
+            </a:r>
+            <a:r>
+              <a:rPr lang="en-US" sz="2400" dirty="0">
+                <a:latin typeface="Calibri" panose="020F0502020204030204" pitchFamily="34" charset="0"/>
+                <a:cs typeface="Calibri" panose="020F0502020204030204" pitchFamily="34" charset="0"/>
+              </a:rPr>
+              <a:t> lower error than using prior year OPS to predict</a:t>
             </a:r>
           </a:p>
         </p:txBody>
@@ -7067,7 +7089,7 @@
         </p:spPr>
         <p:txBody>
           <a:bodyPr anchor="t">
-            <a:normAutofit/>
+            <a:normAutofit lnSpcReduction="10000"/>
           </a:bodyPr>
           <a:lstStyle/>
           <a:p>
@@ -7080,6 +7102,16 @@
             </a:r>
           </a:p>
           <a:p>
+            <a:pPr lvl="1"/>
+            <a:r>
+              <a:rPr lang="en-US" sz="2200" dirty="0">
+                <a:latin typeface="Calibri" panose="020F0502020204030204" pitchFamily="34" charset="0"/>
+                <a:cs typeface="Calibri" panose="020F0502020204030204" pitchFamily="34" charset="0"/>
+              </a:rPr>
+              <a:t>17.4% better than using prior year OPS to predict</a:t>
+            </a:r>
+          </a:p>
+          <a:p>
             <a:r>
               <a:rPr lang="en-US" sz="2400" dirty="0">
                 <a:latin typeface="Calibri" panose="020F0502020204030204" pitchFamily="34" charset="0"/>
@@ -7092,10 +7124,10 @@
       </p:sp>
       <p:pic>
         <p:nvPicPr>
-          <p:cNvPr id="11" name="Picture 10" descr="Chart, scatter chart&#10;&#10;Description automatically generated">
+          <p:cNvPr id="4" name="Picture 3" descr="Chart, scatter chart&#10;&#10;Description automatically generated">
             <a:extLst>
               <a:ext uri="{FF2B5EF4-FFF2-40B4-BE49-F238E27FC236}">
-                <a16:creationId xmlns:a16="http://schemas.microsoft.com/office/drawing/2014/main" id="{145C7900-8CC7-B04B-8EF9-B0388C128958}"/>
+                <a16:creationId xmlns:a16="http://schemas.microsoft.com/office/drawing/2014/main" id="{595613C2-4BD1-AC4E-B4C2-D9F99CF266BC}"/>
               </a:ext>
             </a:extLst>
           </p:cNvPr>
@@ -7104,16 +7136,15 @@
           </p:cNvPicPr>
           <p:nvPr/>
         </p:nvPicPr>
-        <p:blipFill>
+        <p:blipFill rotWithShape="1">
           <a:blip r:embed="rId2"/>
-          <a:stretch>
-            <a:fillRect/>
-          </a:stretch>
+          <a:srcRect l="5450" t="4401" r="5450" b="4198"/>
+          <a:stretch/>
         </p:blipFill>
         <p:spPr>
           <a:xfrm>
-            <a:off x="5954485" y="3483429"/>
-            <a:ext cx="4587551" cy="3211285"/>
+            <a:off x="6094411" y="3570516"/>
+            <a:ext cx="4442960" cy="3190423"/>
           </a:xfrm>
           <a:prstGeom prst="rect">
             <a:avLst/>
@@ -7122,10 +7153,10 @@
       </p:pic>
       <p:pic>
         <p:nvPicPr>
-          <p:cNvPr id="12" name="Picture 11">
+          <p:cNvPr id="8" name="Picture 7">
             <a:extLst>
               <a:ext uri="{FF2B5EF4-FFF2-40B4-BE49-F238E27FC236}">
-                <a16:creationId xmlns:a16="http://schemas.microsoft.com/office/drawing/2014/main" id="{8F18CA68-A06A-7C4E-A6AA-B30DED626F30}"/>
+                <a16:creationId xmlns:a16="http://schemas.microsoft.com/office/drawing/2014/main" id="{FB031721-00C4-E845-94DD-88CB05F45887}"/>
               </a:ext>
             </a:extLst>
           </p:cNvPr>
@@ -7142,8 +7173,8 @@
         </p:blipFill>
         <p:spPr>
           <a:xfrm>
-            <a:off x="1141411" y="3483428"/>
-            <a:ext cx="4704218" cy="775953"/>
+            <a:off x="1141411" y="3570516"/>
+            <a:ext cx="4704218" cy="850480"/>
           </a:xfrm>
           <a:prstGeom prst="rect">
             <a:avLst/>
